--- a/НИР_Бажаев.pptx
+++ b/НИР_Бажаев.pptx
@@ -6,14 +6,18 @@
   </p:sldMasterIdLst>
   <p:sldIdLst>
     <p:sldId id="257" r:id="rId2"/>
-    <p:sldId id="258" r:id="rId3"/>
-    <p:sldId id="259" r:id="rId4"/>
+    <p:sldId id="266" r:id="rId3"/>
+    <p:sldId id="258" r:id="rId4"/>
     <p:sldId id="263" r:id="rId5"/>
-    <p:sldId id="260" r:id="rId6"/>
-    <p:sldId id="261" r:id="rId7"/>
-    <p:sldId id="262" r:id="rId8"/>
-    <p:sldId id="264" r:id="rId9"/>
-    <p:sldId id="265" r:id="rId10"/>
+    <p:sldId id="268" r:id="rId6"/>
+    <p:sldId id="269" r:id="rId7"/>
+    <p:sldId id="260" r:id="rId8"/>
+    <p:sldId id="261" r:id="rId9"/>
+    <p:sldId id="262" r:id="rId10"/>
+    <p:sldId id="264" r:id="rId11"/>
+    <p:sldId id="267" r:id="rId12"/>
+    <p:sldId id="270" r:id="rId13"/>
+    <p:sldId id="271" r:id="rId14"/>
   </p:sldIdLst>
   <p:sldSz cx="9144000" cy="6858000" type="screen4x3"/>
   <p:notesSz cx="6858000" cy="9144000"/>
@@ -296,7 +300,7 @@
           <a:p>
             <a:fld id="{3865E929-88EA-44F6-B07B-F77FD4166964}" type="datetimeFigureOut">
               <a:rPr lang="ru-RU" smtClean="0"/>
-              <a:t>21.01.2019</a:t>
+              <a:t>22.01.2019</a:t>
             </a:fld>
             <a:endParaRPr lang="ru-RU"/>
           </a:p>
@@ -466,7 +470,7 @@
           <a:p>
             <a:fld id="{3865E929-88EA-44F6-B07B-F77FD4166964}" type="datetimeFigureOut">
               <a:rPr lang="ru-RU" smtClean="0"/>
-              <a:t>21.01.2019</a:t>
+              <a:t>22.01.2019</a:t>
             </a:fld>
             <a:endParaRPr lang="ru-RU"/>
           </a:p>
@@ -646,7 +650,7 @@
           <a:p>
             <a:fld id="{3865E929-88EA-44F6-B07B-F77FD4166964}" type="datetimeFigureOut">
               <a:rPr lang="ru-RU" smtClean="0"/>
-              <a:t>21.01.2019</a:t>
+              <a:t>22.01.2019</a:t>
             </a:fld>
             <a:endParaRPr lang="ru-RU"/>
           </a:p>
@@ -816,7 +820,7 @@
           <a:p>
             <a:fld id="{3865E929-88EA-44F6-B07B-F77FD4166964}" type="datetimeFigureOut">
               <a:rPr lang="ru-RU" smtClean="0"/>
-              <a:t>21.01.2019</a:t>
+              <a:t>22.01.2019</a:t>
             </a:fld>
             <a:endParaRPr lang="ru-RU"/>
           </a:p>
@@ -1062,7 +1066,7 @@
           <a:p>
             <a:fld id="{3865E929-88EA-44F6-B07B-F77FD4166964}" type="datetimeFigureOut">
               <a:rPr lang="ru-RU" smtClean="0"/>
-              <a:t>21.01.2019</a:t>
+              <a:t>22.01.2019</a:t>
             </a:fld>
             <a:endParaRPr lang="ru-RU"/>
           </a:p>
@@ -1350,7 +1354,7 @@
           <a:p>
             <a:fld id="{3865E929-88EA-44F6-B07B-F77FD4166964}" type="datetimeFigureOut">
               <a:rPr lang="ru-RU" smtClean="0"/>
-              <a:t>21.01.2019</a:t>
+              <a:t>22.01.2019</a:t>
             </a:fld>
             <a:endParaRPr lang="ru-RU"/>
           </a:p>
@@ -1772,7 +1776,7 @@
           <a:p>
             <a:fld id="{3865E929-88EA-44F6-B07B-F77FD4166964}" type="datetimeFigureOut">
               <a:rPr lang="ru-RU" smtClean="0"/>
-              <a:t>21.01.2019</a:t>
+              <a:t>22.01.2019</a:t>
             </a:fld>
             <a:endParaRPr lang="ru-RU"/>
           </a:p>
@@ -1890,7 +1894,7 @@
           <a:p>
             <a:fld id="{3865E929-88EA-44F6-B07B-F77FD4166964}" type="datetimeFigureOut">
               <a:rPr lang="ru-RU" smtClean="0"/>
-              <a:t>21.01.2019</a:t>
+              <a:t>22.01.2019</a:t>
             </a:fld>
             <a:endParaRPr lang="ru-RU"/>
           </a:p>
@@ -1985,7 +1989,7 @@
           <a:p>
             <a:fld id="{3865E929-88EA-44F6-B07B-F77FD4166964}" type="datetimeFigureOut">
               <a:rPr lang="ru-RU" smtClean="0"/>
-              <a:t>21.01.2019</a:t>
+              <a:t>22.01.2019</a:t>
             </a:fld>
             <a:endParaRPr lang="ru-RU"/>
           </a:p>
@@ -2262,7 +2266,7 @@
           <a:p>
             <a:fld id="{3865E929-88EA-44F6-B07B-F77FD4166964}" type="datetimeFigureOut">
               <a:rPr lang="ru-RU" smtClean="0"/>
-              <a:t>21.01.2019</a:t>
+              <a:t>22.01.2019</a:t>
             </a:fld>
             <a:endParaRPr lang="ru-RU"/>
           </a:p>
@@ -2515,7 +2519,7 @@
           <a:p>
             <a:fld id="{3865E929-88EA-44F6-B07B-F77FD4166964}" type="datetimeFigureOut">
               <a:rPr lang="ru-RU" smtClean="0"/>
-              <a:t>21.01.2019</a:t>
+              <a:t>22.01.2019</a:t>
             </a:fld>
             <a:endParaRPr lang="ru-RU"/>
           </a:p>
@@ -2728,7 +2732,7 @@
           <a:p>
             <a:fld id="{3865E929-88EA-44F6-B07B-F77FD4166964}" type="datetimeFigureOut">
               <a:rPr lang="ru-RU" smtClean="0"/>
-              <a:t>21.01.2019</a:t>
+              <a:t>22.01.2019</a:t>
             </a:fld>
             <a:endParaRPr lang="ru-RU"/>
           </a:p>
@@ -3131,14 +3135,7 @@
                 <a:latin typeface="Times New Roman" panose="02020603050405020304" pitchFamily="18" charset="0"/>
                 <a:cs typeface="Times New Roman" panose="02020603050405020304" pitchFamily="18" charset="0"/>
               </a:rPr>
-              <a:t>Сургут, </a:t>
-            </a:r>
-            <a:r>
-              <a:rPr lang="ru-RU" sz="2600" dirty="0" smtClean="0">
-                <a:latin typeface="Times New Roman" panose="02020603050405020304" pitchFamily="18" charset="0"/>
-                <a:cs typeface="Times New Roman" panose="02020603050405020304" pitchFamily="18" charset="0"/>
-              </a:rPr>
-              <a:t>2019</a:t>
+              <a:t>Сургут, 2019</a:t>
             </a:r>
             <a:endParaRPr lang="ru-RU" sz="2600" dirty="0">
               <a:latin typeface="Times New Roman" panose="02020603050405020304" pitchFamily="18" charset="0"/>
@@ -3449,26 +3446,16 @@
           <a:p>
             <a:pPr algn="r"/>
             <a:r>
-              <a:rPr lang="ru-RU" sz="2000" dirty="0" err="1" smtClean="0">
-                <a:latin typeface="Times New Roman" pitchFamily="18" charset="0"/>
-                <a:cs typeface="Times New Roman" pitchFamily="18" charset="0"/>
-              </a:rPr>
-              <a:t>Бушмелева</a:t>
-            </a:r>
-            <a:r>
               <a:rPr lang="ru-RU" sz="2000" dirty="0" smtClean="0">
                 <a:latin typeface="Times New Roman" pitchFamily="18" charset="0"/>
                 <a:cs typeface="Times New Roman" pitchFamily="18" charset="0"/>
               </a:rPr>
-              <a:t> </a:t>
-            </a:r>
-            <a:r>
-              <a:rPr lang="ru-RU" sz="2000" dirty="0" smtClean="0">
-                <a:latin typeface="Times New Roman" pitchFamily="18" charset="0"/>
-                <a:cs typeface="Times New Roman" pitchFamily="18" charset="0"/>
-              </a:rPr>
-              <a:t>Кия Иннокентьевна</a:t>
-            </a:r>
+              <a:t>Яценко Елена Александровна</a:t>
+            </a:r>
+            <a:endParaRPr lang="ru-RU" sz="2000" dirty="0" smtClean="0">
+              <a:latin typeface="Times New Roman" panose="02020603050405020304" pitchFamily="18" charset="0"/>
+              <a:cs typeface="Times New Roman" panose="02020603050405020304" pitchFamily="18" charset="0"/>
+            </a:endParaRPr>
           </a:p>
         </p:txBody>
       </p:sp>
@@ -3604,35 +3591,17 @@
                 <a:latin typeface="Times New Roman" pitchFamily="18" charset="0"/>
                 <a:cs typeface="Times New Roman" pitchFamily="18" charset="0"/>
               </a:rPr>
-              <a:t>студент группы </a:t>
-            </a:r>
+              <a:t>студент группы 606-71м</a:t>
+            </a:r>
+          </a:p>
+          <a:p>
+            <a:pPr algn="r"/>
             <a:r>
               <a:rPr lang="ru-RU" sz="2000" dirty="0" smtClean="0">
                 <a:latin typeface="Times New Roman" pitchFamily="18" charset="0"/>
                 <a:cs typeface="Times New Roman" pitchFamily="18" charset="0"/>
               </a:rPr>
-              <a:t>606-71м</a:t>
-            </a:r>
-            <a:endParaRPr lang="ru-RU" sz="2000" dirty="0" smtClean="0">
-              <a:latin typeface="Times New Roman" pitchFamily="18" charset="0"/>
-              <a:cs typeface="Times New Roman" pitchFamily="18" charset="0"/>
-            </a:endParaRPr>
-          </a:p>
-          <a:p>
-            <a:pPr algn="r"/>
-            <a:r>
-              <a:rPr lang="ru-RU" sz="2000" dirty="0" smtClean="0">
-                <a:latin typeface="Times New Roman" pitchFamily="18" charset="0"/>
-                <a:cs typeface="Times New Roman" pitchFamily="18" charset="0"/>
-              </a:rPr>
-              <a:t>Бажаев </a:t>
-            </a:r>
-            <a:r>
-              <a:rPr lang="ru-RU" sz="2000" dirty="0" smtClean="0">
-                <a:latin typeface="Times New Roman" pitchFamily="18" charset="0"/>
-                <a:cs typeface="Times New Roman" pitchFamily="18" charset="0"/>
-              </a:rPr>
-              <a:t>Арман</a:t>
+              <a:t>Бажаев Арман</a:t>
             </a:r>
             <a:r>
               <a:rPr lang="ru-RU" sz="2000" dirty="0">
@@ -3675,7 +3644,7 @@
 </p:sld>
 </file>
 
-<file path=ppt/slides/slide2.xml><?xml version="1.0" encoding="utf-8"?>
+<file path=ppt/slides/slide10.xml><?xml version="1.0" encoding="utf-8"?>
 <p:sld xmlns:a="http://schemas.openxmlformats.org/drawingml/2006/main" xmlns:r="http://schemas.openxmlformats.org/officeDocument/2006/relationships" xmlns:p="http://schemas.openxmlformats.org/presentationml/2006/main">
   <p:cSld>
     <p:spTree>
@@ -3692,6 +3661,47 @@
           <a:chExt cx="0" cy="0"/>
         </a:xfrm>
       </p:grpSpPr>
+      <p:pic>
+        <p:nvPicPr>
+          <p:cNvPr id="2050" name="Picture 2" descr="C:\Users\Bazhaev_AB\Desktop\№3.bmp"/>
+          <p:cNvPicPr>
+            <a:picLocks noChangeAspect="1" noChangeArrowheads="1"/>
+          </p:cNvPicPr>
+          <p:nvPr/>
+        </p:nvPicPr>
+        <p:blipFill>
+          <a:blip r:embed="rId2">
+            <a:extLst>
+              <a:ext uri="{28A0092B-C50C-407E-A947-70E740481C1C}">
+                <a14:useLocalDpi xmlns:a14="http://schemas.microsoft.com/office/drawing/2010/main" val="0"/>
+              </a:ext>
+            </a:extLst>
+          </a:blip>
+          <a:srcRect/>
+          <a:stretch>
+            <a:fillRect/>
+          </a:stretch>
+        </p:blipFill>
+        <p:spPr bwMode="auto">
+          <a:xfrm>
+            <a:off x="2771775" y="95250"/>
+            <a:ext cx="3600450" cy="6665913"/>
+          </a:xfrm>
+          <a:prstGeom prst="rect">
+            <a:avLst/>
+          </a:prstGeom>
+          <a:noFill/>
+          <a:extLst>
+            <a:ext uri="{909E8E84-426E-40DD-AFC4-6F175D3DCCD1}">
+              <a14:hiddenFill xmlns:a14="http://schemas.microsoft.com/office/drawing/2010/main">
+                <a:solidFill>
+                  <a:srgbClr val="FFFFFF"/>
+                </a:solidFill>
+              </a14:hiddenFill>
+            </a:ext>
+          </a:extLst>
+        </p:spPr>
+      </p:pic>
       <p:sp>
         <p:nvSpPr>
           <p:cNvPr id="2" name="Заголовок 1"/>
@@ -3702,99 +3712,67 @@
             <p:ph type="title"/>
           </p:nvPr>
         </p:nvSpPr>
-        <p:spPr/>
-        <p:txBody>
-          <a:bodyPr/>
-          <a:lstStyle/>
-          <a:p>
-            <a:r>
-              <a:rPr lang="ru-RU" dirty="0" smtClean="0">
+        <p:spPr>
+          <a:xfrm>
+            <a:off x="3203848" y="5373216"/>
+            <a:ext cx="8229600" cy="1143000"/>
+          </a:xfrm>
+        </p:spPr>
+        <p:txBody>
+          <a:bodyPr>
+            <a:normAutofit/>
+          </a:bodyPr>
+          <a:lstStyle/>
+          <a:p>
+            <a:r>
+              <a:rPr lang="ru-RU" sz="2800" dirty="0" smtClean="0">
                 <a:latin typeface="Times New Roman" panose="02020603050405020304" pitchFamily="18" charset="0"/>
                 <a:cs typeface="Times New Roman" panose="02020603050405020304" pitchFamily="18" charset="0"/>
               </a:rPr>
-              <a:t>Задачи</a:t>
-            </a:r>
-            <a:endParaRPr lang="ru-RU" dirty="0">
+              <a:t>Алгоритм </a:t>
+            </a:r>
+            <a:r>
+              <a:rPr lang="ru-RU" sz="2800" dirty="0" smtClean="0">
+                <a:latin typeface="Times New Roman" panose="02020603050405020304" pitchFamily="18" charset="0"/>
+                <a:cs typeface="Times New Roman" panose="02020603050405020304" pitchFamily="18" charset="0"/>
+              </a:rPr>
+              <a:t>расчета</a:t>
+            </a:r>
+            <a:r>
+              <a:rPr lang="en-US" sz="2800" dirty="0" smtClean="0">
+                <a:latin typeface="Times New Roman" panose="02020603050405020304" pitchFamily="18" charset="0"/>
+                <a:cs typeface="Times New Roman" panose="02020603050405020304" pitchFamily="18" charset="0"/>
+              </a:rPr>
+              <a:t> (3)</a:t>
+            </a:r>
+            <a:endParaRPr lang="ru-RU" sz="2800" dirty="0">
               <a:latin typeface="Times New Roman" panose="02020603050405020304" pitchFamily="18" charset="0"/>
               <a:cs typeface="Times New Roman" panose="02020603050405020304" pitchFamily="18" charset="0"/>
             </a:endParaRPr>
           </a:p>
         </p:txBody>
       </p:sp>
-      <p:sp>
-        <p:nvSpPr>
-          <p:cNvPr id="3" name="Объект 2"/>
-          <p:cNvSpPr>
-            <a:spLocks noGrp="1"/>
-          </p:cNvSpPr>
-          <p:nvPr>
-            <p:ph idx="1"/>
-          </p:nvPr>
-        </p:nvSpPr>
-        <p:spPr/>
-        <p:txBody>
-          <a:bodyPr>
-            <a:normAutofit fontScale="92500"/>
-          </a:bodyPr>
-          <a:lstStyle/>
-          <a:p>
-            <a:pPr marL="514350" lvl="0" indent="-514350" algn="just">
-              <a:buFont typeface="+mj-lt"/>
-              <a:buAutoNum type="arabicPeriod"/>
-            </a:pPr>
-            <a:r>
-              <a:rPr lang="ru-RU" dirty="0">
-                <a:latin typeface="Times New Roman" panose="02020603050405020304" pitchFamily="18" charset="0"/>
-                <a:cs typeface="Times New Roman" panose="02020603050405020304" pitchFamily="18" charset="0"/>
-              </a:rPr>
-              <a:t>проектирование концептуальной модели базы данных, содержащей информацию результатов расчета и статистических данных производительности систем;</a:t>
-            </a:r>
-          </a:p>
-          <a:p>
-            <a:pPr marL="514350" lvl="0" indent="-514350" algn="just">
-              <a:buFont typeface="+mj-lt"/>
-              <a:buAutoNum type="arabicPeriod"/>
-            </a:pPr>
-            <a:r>
-              <a:rPr lang="ru-RU" dirty="0">
-                <a:latin typeface="Times New Roman" panose="02020603050405020304" pitchFamily="18" charset="0"/>
-                <a:cs typeface="Times New Roman" panose="02020603050405020304" pitchFamily="18" charset="0"/>
-              </a:rPr>
-              <a:t>изучение, выбор и освоение математического аппарата для реализации алгоритма расчета сроков регламентного обслуживания;</a:t>
-            </a:r>
-          </a:p>
-          <a:p>
-            <a:pPr marL="514350" lvl="0" indent="-514350" algn="just">
-              <a:buFont typeface="+mj-lt"/>
-              <a:buAutoNum type="arabicPeriod"/>
-            </a:pPr>
-            <a:r>
-              <a:rPr lang="ru-RU" dirty="0">
-                <a:latin typeface="Times New Roman" panose="02020603050405020304" pitchFamily="18" charset="0"/>
-                <a:cs typeface="Times New Roman" panose="02020603050405020304" pitchFamily="18" charset="0"/>
-              </a:rPr>
-              <a:t>разработка алгоритма расчета сроков регламентного обслуживания.</a:t>
-            </a:r>
-          </a:p>
-          <a:p>
-            <a:endParaRPr lang="ru-RU" dirty="0"/>
-          </a:p>
-        </p:txBody>
-      </p:sp>
     </p:spTree>
     <p:extLst>
       <p:ext uri="{BB962C8B-B14F-4D97-AF65-F5344CB8AC3E}">
-        <p14:creationId xmlns:p14="http://schemas.microsoft.com/office/powerpoint/2010/main" val="1477026294"/>
+        <p14:creationId xmlns:p14="http://schemas.microsoft.com/office/powerpoint/2010/main" val="2055924161"/>
       </p:ext>
     </p:extLst>
   </p:cSld>
   <p:clrMapOvr>
     <a:masterClrMapping/>
   </p:clrMapOvr>
+  <p:timing>
+    <p:tnLst>
+      <p:par>
+        <p:cTn id="1" dur="indefinite" restart="never" nodeType="tmRoot"/>
+      </p:par>
+    </p:tnLst>
+  </p:timing>
 </p:sld>
 </file>
 
-<file path=ppt/slides/slide3.xml><?xml version="1.0" encoding="utf-8"?>
+<file path=ppt/slides/slide11.xml><?xml version="1.0" encoding="utf-8"?>
 <p:sld xmlns:a="http://schemas.openxmlformats.org/drawingml/2006/main" xmlns:r="http://schemas.openxmlformats.org/officeDocument/2006/relationships" xmlns:p="http://schemas.openxmlformats.org/presentationml/2006/main">
   <p:cSld>
     <p:spTree>
@@ -3878,13 +3856,508 @@
     </p:spTree>
     <p:extLst>
       <p:ext uri="{BB962C8B-B14F-4D97-AF65-F5344CB8AC3E}">
-        <p14:creationId xmlns:p14="http://schemas.microsoft.com/office/powerpoint/2010/main" val="1102474156"/>
+        <p14:creationId xmlns:p14="http://schemas.microsoft.com/office/powerpoint/2010/main" val="1012849019"/>
       </p:ext>
     </p:extLst>
   </p:cSld>
   <p:clrMapOvr>
     <a:masterClrMapping/>
   </p:clrMapOvr>
+  <p:timing>
+    <p:tnLst>
+      <p:par>
+        <p:cTn id="1" dur="indefinite" restart="never" nodeType="tmRoot"/>
+      </p:par>
+    </p:tnLst>
+  </p:timing>
+</p:sld>
+</file>
+
+<file path=ppt/slides/slide12.xml><?xml version="1.0" encoding="utf-8"?>
+<p:sld xmlns:a="http://schemas.openxmlformats.org/drawingml/2006/main" xmlns:r="http://schemas.openxmlformats.org/officeDocument/2006/relationships" xmlns:p="http://schemas.openxmlformats.org/presentationml/2006/main">
+  <p:cSld>
+    <p:spTree>
+      <p:nvGrpSpPr>
+        <p:cNvPr id="1" name=""/>
+        <p:cNvGrpSpPr/>
+        <p:nvPr/>
+      </p:nvGrpSpPr>
+      <p:grpSpPr>
+        <a:xfrm>
+          <a:off x="0" y="0"/>
+          <a:ext cx="0" cy="0"/>
+          <a:chOff x="0" y="0"/>
+          <a:chExt cx="0" cy="0"/>
+        </a:xfrm>
+      </p:grpSpPr>
+      <p:sp>
+        <p:nvSpPr>
+          <p:cNvPr id="2" name="Заголовок 1"/>
+          <p:cNvSpPr>
+            <a:spLocks noGrp="1"/>
+          </p:cNvSpPr>
+          <p:nvPr>
+            <p:ph type="title"/>
+          </p:nvPr>
+        </p:nvSpPr>
+        <p:spPr/>
+        <p:txBody>
+          <a:bodyPr>
+            <a:normAutofit/>
+          </a:bodyPr>
+          <a:lstStyle/>
+          <a:p>
+            <a:r>
+              <a:rPr lang="ru-RU" sz="4000" dirty="0" smtClean="0">
+                <a:latin typeface="Times New Roman" panose="02020603050405020304" pitchFamily="18" charset="0"/>
+                <a:cs typeface="Times New Roman" panose="02020603050405020304" pitchFamily="18" charset="0"/>
+              </a:rPr>
+              <a:t>Физическая модель БД</a:t>
+            </a:r>
+            <a:endParaRPr lang="ru-RU" sz="4000" dirty="0">
+              <a:latin typeface="Times New Roman" panose="02020603050405020304" pitchFamily="18" charset="0"/>
+              <a:cs typeface="Times New Roman" panose="02020603050405020304" pitchFamily="18" charset="0"/>
+            </a:endParaRPr>
+          </a:p>
+        </p:txBody>
+      </p:sp>
+      <p:pic>
+        <p:nvPicPr>
+          <p:cNvPr id="4" name="Объект 3"/>
+          <p:cNvPicPr>
+            <a:picLocks noGrp="1"/>
+          </p:cNvPicPr>
+          <p:nvPr>
+            <p:ph idx="1"/>
+          </p:nvPr>
+        </p:nvPicPr>
+        <p:blipFill>
+          <a:blip r:embed="rId2">
+            <a:extLst>
+              <a:ext uri="{28A0092B-C50C-407E-A947-70E740481C1C}">
+                <a14:useLocalDpi xmlns:a14="http://schemas.microsoft.com/office/drawing/2010/main" val="0"/>
+              </a:ext>
+            </a:extLst>
+          </a:blip>
+          <a:srcRect/>
+          <a:stretch>
+            <a:fillRect/>
+          </a:stretch>
+        </p:blipFill>
+        <p:spPr bwMode="auto">
+          <a:xfrm>
+            <a:off x="457200" y="2204865"/>
+            <a:ext cx="8229600" cy="2744834"/>
+          </a:xfrm>
+          <a:prstGeom prst="rect">
+            <a:avLst/>
+          </a:prstGeom>
+          <a:noFill/>
+          <a:ln>
+            <a:noFill/>
+          </a:ln>
+        </p:spPr>
+      </p:pic>
+    </p:spTree>
+    <p:extLst>
+      <p:ext uri="{BB962C8B-B14F-4D97-AF65-F5344CB8AC3E}">
+        <p14:creationId xmlns:p14="http://schemas.microsoft.com/office/powerpoint/2010/main" val="3581678635"/>
+      </p:ext>
+    </p:extLst>
+  </p:cSld>
+  <p:clrMapOvr>
+    <a:masterClrMapping/>
+  </p:clrMapOvr>
+  <p:timing>
+    <p:tnLst>
+      <p:par>
+        <p:cTn id="1" dur="indefinite" restart="never" nodeType="tmRoot"/>
+      </p:par>
+    </p:tnLst>
+  </p:timing>
+</p:sld>
+</file>
+
+<file path=ppt/slides/slide13.xml><?xml version="1.0" encoding="utf-8"?>
+<p:sld xmlns:a="http://schemas.openxmlformats.org/drawingml/2006/main" xmlns:r="http://schemas.openxmlformats.org/officeDocument/2006/relationships" xmlns:p="http://schemas.openxmlformats.org/presentationml/2006/main">
+  <p:cSld>
+    <p:spTree>
+      <p:nvGrpSpPr>
+        <p:cNvPr id="1" name=""/>
+        <p:cNvGrpSpPr/>
+        <p:nvPr/>
+      </p:nvGrpSpPr>
+      <p:grpSpPr>
+        <a:xfrm>
+          <a:off x="0" y="0"/>
+          <a:ext cx="0" cy="0"/>
+          <a:chOff x="0" y="0"/>
+          <a:chExt cx="0" cy="0"/>
+        </a:xfrm>
+      </p:grpSpPr>
+      <p:sp>
+        <p:nvSpPr>
+          <p:cNvPr id="2" name="Заголовок 1"/>
+          <p:cNvSpPr>
+            <a:spLocks noGrp="1"/>
+          </p:cNvSpPr>
+          <p:nvPr>
+            <p:ph type="title"/>
+          </p:nvPr>
+        </p:nvSpPr>
+        <p:spPr/>
+        <p:txBody>
+          <a:bodyPr/>
+          <a:lstStyle/>
+          <a:p>
+            <a:r>
+              <a:rPr lang="ru-RU" dirty="0" smtClean="0">
+                <a:latin typeface="Times New Roman" panose="02020603050405020304" pitchFamily="18" charset="0"/>
+                <a:cs typeface="Times New Roman" panose="02020603050405020304" pitchFamily="18" charset="0"/>
+              </a:rPr>
+              <a:t>Заключение</a:t>
+            </a:r>
+            <a:endParaRPr lang="ru-RU" dirty="0">
+              <a:latin typeface="Times New Roman" panose="02020603050405020304" pitchFamily="18" charset="0"/>
+              <a:cs typeface="Times New Roman" panose="02020603050405020304" pitchFamily="18" charset="0"/>
+            </a:endParaRPr>
+          </a:p>
+        </p:txBody>
+      </p:sp>
+      <p:sp>
+        <p:nvSpPr>
+          <p:cNvPr id="3" name="Объект 2"/>
+          <p:cNvSpPr>
+            <a:spLocks noGrp="1"/>
+          </p:cNvSpPr>
+          <p:nvPr>
+            <p:ph idx="1"/>
+          </p:nvPr>
+        </p:nvSpPr>
+        <p:spPr/>
+        <p:txBody>
+          <a:bodyPr>
+            <a:normAutofit fontScale="70000" lnSpcReduction="20000"/>
+          </a:bodyPr>
+          <a:lstStyle/>
+          <a:p>
+            <a:pPr marL="0" indent="0" algn="just">
+              <a:buNone/>
+            </a:pPr>
+            <a:r>
+              <a:rPr lang="ru-RU" dirty="0">
+                <a:latin typeface="Times New Roman" panose="02020603050405020304" pitchFamily="18" charset="0"/>
+                <a:cs typeface="Times New Roman" panose="02020603050405020304" pitchFamily="18" charset="0"/>
+              </a:rPr>
+              <a:t>На данном этапе работы выполнены следующие задачи:</a:t>
+            </a:r>
+          </a:p>
+          <a:p>
+            <a:pPr marL="514350" lvl="0" indent="-514350" algn="just">
+              <a:buFont typeface="+mj-lt"/>
+              <a:buAutoNum type="arabicPeriod"/>
+            </a:pPr>
+            <a:r>
+              <a:rPr lang="ru-RU" dirty="0">
+                <a:latin typeface="Times New Roman" panose="02020603050405020304" pitchFamily="18" charset="0"/>
+                <a:cs typeface="Times New Roman" panose="02020603050405020304" pitchFamily="18" charset="0"/>
+              </a:rPr>
+              <a:t>спроектирована концептуальная модель базы данных, содержащая информацию результатов расчета и статистических данных производительности систем;</a:t>
+            </a:r>
+          </a:p>
+          <a:p>
+            <a:pPr marL="514350" lvl="0" indent="-514350" algn="just">
+              <a:buFont typeface="+mj-lt"/>
+              <a:buAutoNum type="arabicPeriod"/>
+            </a:pPr>
+            <a:r>
+              <a:rPr lang="ru-RU" dirty="0">
+                <a:latin typeface="Times New Roman" panose="02020603050405020304" pitchFamily="18" charset="0"/>
+                <a:cs typeface="Times New Roman" panose="02020603050405020304" pitchFamily="18" charset="0"/>
+              </a:rPr>
+              <a:t>проведено изучение, выбор и освоение вспомогательных математических средств реализации алгоритма расчета сроков регламентного обслуживания;</a:t>
+            </a:r>
+          </a:p>
+          <a:p>
+            <a:pPr marL="514350" lvl="0" indent="-514350" algn="just">
+              <a:buFont typeface="+mj-lt"/>
+              <a:buAutoNum type="arabicPeriod"/>
+            </a:pPr>
+            <a:r>
+              <a:rPr lang="ru-RU" dirty="0">
+                <a:latin typeface="Times New Roman" panose="02020603050405020304" pitchFamily="18" charset="0"/>
+                <a:cs typeface="Times New Roman" panose="02020603050405020304" pitchFamily="18" charset="0"/>
+              </a:rPr>
+              <a:t>разработан алгоритм расчета сроков регламентного обслуживания.</a:t>
+            </a:r>
+          </a:p>
+          <a:p>
+            <a:pPr marL="0" indent="0" algn="just">
+              <a:buNone/>
+            </a:pPr>
+            <a:r>
+              <a:rPr lang="ru-RU" dirty="0">
+                <a:latin typeface="Times New Roman" panose="02020603050405020304" pitchFamily="18" charset="0"/>
+                <a:cs typeface="Times New Roman" panose="02020603050405020304" pitchFamily="18" charset="0"/>
+              </a:rPr>
+              <a:t>Следующим этапом является дополнение системы корректировкой сроков регламентного обслуживания, путем добавления в систему возможности анализа выполнения разных отчетностей за месяц,  и её программная разработка.</a:t>
+            </a:r>
+          </a:p>
+          <a:p>
+            <a:endParaRPr lang="ru-RU" dirty="0"/>
+          </a:p>
+        </p:txBody>
+      </p:sp>
+    </p:spTree>
+    <p:extLst>
+      <p:ext uri="{BB962C8B-B14F-4D97-AF65-F5344CB8AC3E}">
+        <p14:creationId xmlns:p14="http://schemas.microsoft.com/office/powerpoint/2010/main" val="1476174490"/>
+      </p:ext>
+    </p:extLst>
+  </p:cSld>
+  <p:clrMapOvr>
+    <a:masterClrMapping/>
+  </p:clrMapOvr>
+  <p:timing>
+    <p:tnLst>
+      <p:par>
+        <p:cTn id="1" dur="indefinite" restart="never" nodeType="tmRoot"/>
+      </p:par>
+    </p:tnLst>
+  </p:timing>
+</p:sld>
+</file>
+
+<file path=ppt/slides/slide2.xml><?xml version="1.0" encoding="utf-8"?>
+<p:sld xmlns:a="http://schemas.openxmlformats.org/drawingml/2006/main" xmlns:r="http://schemas.openxmlformats.org/officeDocument/2006/relationships" xmlns:p="http://schemas.openxmlformats.org/presentationml/2006/main">
+  <p:cSld>
+    <p:spTree>
+      <p:nvGrpSpPr>
+        <p:cNvPr id="1" name=""/>
+        <p:cNvGrpSpPr/>
+        <p:nvPr/>
+      </p:nvGrpSpPr>
+      <p:grpSpPr>
+        <a:xfrm>
+          <a:off x="0" y="0"/>
+          <a:ext cx="0" cy="0"/>
+          <a:chOff x="0" y="0"/>
+          <a:chExt cx="0" cy="0"/>
+        </a:xfrm>
+      </p:grpSpPr>
+      <p:sp>
+        <p:nvSpPr>
+          <p:cNvPr id="2" name="Заголовок 1"/>
+          <p:cNvSpPr>
+            <a:spLocks noGrp="1"/>
+          </p:cNvSpPr>
+          <p:nvPr>
+            <p:ph type="title"/>
+          </p:nvPr>
+        </p:nvSpPr>
+        <p:spPr/>
+        <p:txBody>
+          <a:bodyPr/>
+          <a:lstStyle/>
+          <a:p>
+            <a:r>
+              <a:rPr lang="ru-RU" dirty="0" smtClean="0">
+                <a:latin typeface="Times New Roman" panose="02020603050405020304" pitchFamily="18" charset="0"/>
+                <a:cs typeface="Times New Roman" panose="02020603050405020304" pitchFamily="18" charset="0"/>
+              </a:rPr>
+              <a:t>Введение</a:t>
+            </a:r>
+            <a:endParaRPr lang="ru-RU" dirty="0">
+              <a:latin typeface="Times New Roman" panose="02020603050405020304" pitchFamily="18" charset="0"/>
+              <a:cs typeface="Times New Roman" panose="02020603050405020304" pitchFamily="18" charset="0"/>
+            </a:endParaRPr>
+          </a:p>
+        </p:txBody>
+      </p:sp>
+      <p:pic>
+        <p:nvPicPr>
+          <p:cNvPr id="1027" name="Picture 3" descr="C:\Users\Bazhaev_AB\Desktop\Функ схема.bmp"/>
+          <p:cNvPicPr>
+            <a:picLocks noChangeAspect="1" noChangeArrowheads="1"/>
+          </p:cNvPicPr>
+          <p:nvPr/>
+        </p:nvPicPr>
+        <p:blipFill>
+          <a:blip r:embed="rId2">
+            <a:extLst>
+              <a:ext uri="{28A0092B-C50C-407E-A947-70E740481C1C}">
+                <a14:useLocalDpi xmlns:a14="http://schemas.microsoft.com/office/drawing/2010/main" val="0"/>
+              </a:ext>
+            </a:extLst>
+          </a:blip>
+          <a:srcRect/>
+          <a:stretch>
+            <a:fillRect/>
+          </a:stretch>
+        </p:blipFill>
+        <p:spPr bwMode="auto">
+          <a:xfrm>
+            <a:off x="107502" y="1556792"/>
+            <a:ext cx="8928993" cy="4617367"/>
+          </a:xfrm>
+          <a:prstGeom prst="rect">
+            <a:avLst/>
+          </a:prstGeom>
+          <a:noFill/>
+          <a:extLst>
+            <a:ext uri="{909E8E84-426E-40DD-AFC4-6F175D3DCCD1}">
+              <a14:hiddenFill xmlns:a14="http://schemas.microsoft.com/office/drawing/2010/main">
+                <a:solidFill>
+                  <a:srgbClr val="FFFFFF"/>
+                </a:solidFill>
+              </a14:hiddenFill>
+            </a:ext>
+          </a:extLst>
+        </p:spPr>
+      </p:pic>
+    </p:spTree>
+    <p:extLst>
+      <p:ext uri="{BB962C8B-B14F-4D97-AF65-F5344CB8AC3E}">
+        <p14:creationId xmlns:p14="http://schemas.microsoft.com/office/powerpoint/2010/main" val="3057840027"/>
+      </p:ext>
+    </p:extLst>
+  </p:cSld>
+  <p:clrMapOvr>
+    <a:masterClrMapping/>
+  </p:clrMapOvr>
+  <p:timing>
+    <p:tnLst>
+      <p:par>
+        <p:cTn id="1" dur="indefinite" restart="never" nodeType="tmRoot"/>
+      </p:par>
+    </p:tnLst>
+  </p:timing>
+</p:sld>
+</file>
+
+<file path=ppt/slides/slide3.xml><?xml version="1.0" encoding="utf-8"?>
+<p:sld xmlns:a="http://schemas.openxmlformats.org/drawingml/2006/main" xmlns:r="http://schemas.openxmlformats.org/officeDocument/2006/relationships" xmlns:p="http://schemas.openxmlformats.org/presentationml/2006/main">
+  <p:cSld>
+    <p:spTree>
+      <p:nvGrpSpPr>
+        <p:cNvPr id="1" name=""/>
+        <p:cNvGrpSpPr/>
+        <p:nvPr/>
+      </p:nvGrpSpPr>
+      <p:grpSpPr>
+        <a:xfrm>
+          <a:off x="0" y="0"/>
+          <a:ext cx="0" cy="0"/>
+          <a:chOff x="0" y="0"/>
+          <a:chExt cx="0" cy="0"/>
+        </a:xfrm>
+      </p:grpSpPr>
+      <p:sp>
+        <p:nvSpPr>
+          <p:cNvPr id="2" name="Заголовок 1"/>
+          <p:cNvSpPr>
+            <a:spLocks noGrp="1"/>
+          </p:cNvSpPr>
+          <p:nvPr>
+            <p:ph type="title"/>
+          </p:nvPr>
+        </p:nvSpPr>
+        <p:spPr/>
+        <p:txBody>
+          <a:bodyPr/>
+          <a:lstStyle/>
+          <a:p>
+            <a:r>
+              <a:rPr lang="ru-RU" dirty="0" smtClean="0">
+                <a:latin typeface="Times New Roman" panose="02020603050405020304" pitchFamily="18" charset="0"/>
+                <a:cs typeface="Times New Roman" panose="02020603050405020304" pitchFamily="18" charset="0"/>
+              </a:rPr>
+              <a:t>Задачи</a:t>
+            </a:r>
+            <a:endParaRPr lang="ru-RU" dirty="0">
+              <a:latin typeface="Times New Roman" panose="02020603050405020304" pitchFamily="18" charset="0"/>
+              <a:cs typeface="Times New Roman" panose="02020603050405020304" pitchFamily="18" charset="0"/>
+            </a:endParaRPr>
+          </a:p>
+        </p:txBody>
+      </p:sp>
+      <p:sp>
+        <p:nvSpPr>
+          <p:cNvPr id="3" name="Объект 2"/>
+          <p:cNvSpPr>
+            <a:spLocks noGrp="1"/>
+          </p:cNvSpPr>
+          <p:nvPr>
+            <p:ph idx="1"/>
+          </p:nvPr>
+        </p:nvSpPr>
+        <p:spPr/>
+        <p:txBody>
+          <a:bodyPr>
+            <a:normAutofit fontScale="92500"/>
+          </a:bodyPr>
+          <a:lstStyle/>
+          <a:p>
+            <a:pPr marL="514350" lvl="0" indent="-514350" algn="just">
+              <a:buFont typeface="+mj-lt"/>
+              <a:buAutoNum type="arabicPeriod"/>
+            </a:pPr>
+            <a:r>
+              <a:rPr lang="ru-RU" dirty="0">
+                <a:latin typeface="Times New Roman" panose="02020603050405020304" pitchFamily="18" charset="0"/>
+                <a:cs typeface="Times New Roman" panose="02020603050405020304" pitchFamily="18" charset="0"/>
+              </a:rPr>
+              <a:t>проектирование концептуальной модели базы данных, содержащей информацию результатов расчета и статистических данных производительности систем;</a:t>
+            </a:r>
+          </a:p>
+          <a:p>
+            <a:pPr marL="514350" lvl="0" indent="-514350" algn="just">
+              <a:buFont typeface="+mj-lt"/>
+              <a:buAutoNum type="arabicPeriod"/>
+            </a:pPr>
+            <a:r>
+              <a:rPr lang="ru-RU" dirty="0">
+                <a:latin typeface="Times New Roman" panose="02020603050405020304" pitchFamily="18" charset="0"/>
+                <a:cs typeface="Times New Roman" panose="02020603050405020304" pitchFamily="18" charset="0"/>
+              </a:rPr>
+              <a:t>изучение, выбор и освоение математического аппарата для реализации алгоритма расчета сроков регламентного обслуживания;</a:t>
+            </a:r>
+          </a:p>
+          <a:p>
+            <a:pPr marL="514350" lvl="0" indent="-514350" algn="just">
+              <a:buFont typeface="+mj-lt"/>
+              <a:buAutoNum type="arabicPeriod"/>
+            </a:pPr>
+            <a:r>
+              <a:rPr lang="ru-RU" dirty="0">
+                <a:latin typeface="Times New Roman" panose="02020603050405020304" pitchFamily="18" charset="0"/>
+                <a:cs typeface="Times New Roman" panose="02020603050405020304" pitchFamily="18" charset="0"/>
+              </a:rPr>
+              <a:t>разработка алгоритма расчета сроков регламентного обслуживания.</a:t>
+            </a:r>
+          </a:p>
+          <a:p>
+            <a:endParaRPr lang="ru-RU" dirty="0"/>
+          </a:p>
+        </p:txBody>
+      </p:sp>
+    </p:spTree>
+    <p:extLst>
+      <p:ext uri="{BB962C8B-B14F-4D97-AF65-F5344CB8AC3E}">
+        <p14:creationId xmlns:p14="http://schemas.microsoft.com/office/powerpoint/2010/main" val="1477026294"/>
+      </p:ext>
+    </p:extLst>
+  </p:cSld>
+  <p:clrMapOvr>
+    <a:masterClrMapping/>
+  </p:clrMapOvr>
+  <p:timing>
+    <p:tnLst>
+      <p:par>
+        <p:cTn id="1" dur="indefinite" restart="never" nodeType="tmRoot"/>
+      </p:par>
+    </p:tnLst>
+  </p:timing>
 </p:sld>
 </file>
 
@@ -4018,7 +4491,21 @@
                 <a:latin typeface="Times New Roman" panose="02020603050405020304" pitchFamily="18" charset="0"/>
                 <a:cs typeface="Times New Roman" panose="02020603050405020304" pitchFamily="18" charset="0"/>
               </a:rPr>
-              <a:t>Время отклика сервера БД</a:t>
+              <a:t>Время </a:t>
+            </a:r>
+            <a:r>
+              <a:rPr lang="ru-RU" sz="2800" dirty="0" smtClean="0">
+                <a:latin typeface="Times New Roman" panose="02020603050405020304" pitchFamily="18" charset="0"/>
+                <a:cs typeface="Times New Roman" panose="02020603050405020304" pitchFamily="18" charset="0"/>
+              </a:rPr>
+              <a:t>отклика </a:t>
+            </a:r>
+            <a:r>
+              <a:rPr lang="ru-RU" sz="2800" dirty="0" smtClean="0">
+                <a:latin typeface="Times New Roman" panose="02020603050405020304" pitchFamily="18" charset="0"/>
+                <a:cs typeface="Times New Roman" panose="02020603050405020304" pitchFamily="18" charset="0"/>
+              </a:rPr>
+              <a:t>БД</a:t>
             </a:r>
             <a:endParaRPr lang="ru-RU" sz="2800" dirty="0">
               <a:latin typeface="Times New Roman" panose="02020603050405020304" pitchFamily="18" charset="0"/>
@@ -4174,6 +4661,13 @@
   <p:clrMapOvr>
     <a:masterClrMapping/>
   </p:clrMapOvr>
+  <p:timing>
+    <p:tnLst>
+      <p:par>
+        <p:cTn id="1" dur="indefinite" restart="never" nodeType="tmRoot"/>
+      </p:par>
+    </p:tnLst>
+  </p:timing>
 </p:sld>
 </file>
 
@@ -4196,6 +4690,275 @@
       </p:grpSpPr>
       <p:sp>
         <p:nvSpPr>
+          <p:cNvPr id="4" name="TextBox 3"/>
+          <p:cNvSpPr txBox="1"/>
+          <p:nvPr/>
+        </p:nvSpPr>
+        <p:spPr>
+          <a:xfrm>
+            <a:off x="3275856" y="6286038"/>
+            <a:ext cx="2880320" cy="369332"/>
+          </a:xfrm>
+          <a:prstGeom prst="rect">
+            <a:avLst/>
+          </a:prstGeom>
+          <a:noFill/>
+        </p:spPr>
+        <p:txBody>
+          <a:bodyPr wrap="square" rtlCol="0">
+            <a:spAutoFit/>
+          </a:bodyPr>
+          <a:lstStyle/>
+          <a:p>
+            <a:r>
+              <a:rPr lang="en-US" dirty="0" smtClean="0">
+                <a:latin typeface="Times New Roman" panose="02020603050405020304" pitchFamily="18" charset="0"/>
+                <a:cs typeface="Times New Roman" panose="02020603050405020304" pitchFamily="18" charset="0"/>
+              </a:rPr>
+              <a:t>r </a:t>
+            </a:r>
+            <a:r>
+              <a:rPr lang="en-US" dirty="0">
+                <a:latin typeface="Times New Roman" panose="02020603050405020304" pitchFamily="18" charset="0"/>
+                <a:cs typeface="Times New Roman" panose="02020603050405020304" pitchFamily="18" charset="0"/>
+              </a:rPr>
+              <a:t>= 0,677161385468107</a:t>
+            </a:r>
+            <a:endParaRPr lang="ru-RU" dirty="0">
+              <a:latin typeface="Times New Roman" panose="02020603050405020304" pitchFamily="18" charset="0"/>
+              <a:cs typeface="Times New Roman" panose="02020603050405020304" pitchFamily="18" charset="0"/>
+            </a:endParaRPr>
+          </a:p>
+        </p:txBody>
+      </p:sp>
+      <p:pic>
+        <p:nvPicPr>
+          <p:cNvPr id="3076" name="Picture 4"/>
+          <p:cNvPicPr>
+            <a:picLocks noChangeAspect="1" noChangeArrowheads="1"/>
+          </p:cNvPicPr>
+          <p:nvPr/>
+        </p:nvPicPr>
+        <p:blipFill>
+          <a:blip r:embed="rId2">
+            <a:extLst>
+              <a:ext uri="{28A0092B-C50C-407E-A947-70E740481C1C}">
+                <a14:useLocalDpi xmlns:a14="http://schemas.microsoft.com/office/drawing/2010/main" val="0"/>
+              </a:ext>
+            </a:extLst>
+          </a:blip>
+          <a:srcRect/>
+          <a:stretch>
+            <a:fillRect/>
+          </a:stretch>
+        </p:blipFill>
+        <p:spPr bwMode="auto">
+          <a:xfrm>
+            <a:off x="179511" y="188640"/>
+            <a:ext cx="8784978" cy="5962650"/>
+          </a:xfrm>
+          <a:prstGeom prst="rect">
+            <a:avLst/>
+          </a:prstGeom>
+          <a:noFill/>
+          <a:ln>
+            <a:noFill/>
+          </a:ln>
+          <a:extLst>
+            <a:ext uri="{909E8E84-426E-40DD-AFC4-6F175D3DCCD1}">
+              <a14:hiddenFill xmlns:a14="http://schemas.microsoft.com/office/drawing/2010/main">
+                <a:solidFill>
+                  <a:schemeClr val="accent1"/>
+                </a:solidFill>
+              </a14:hiddenFill>
+            </a:ext>
+            <a:ext uri="{91240B29-F687-4F45-9708-019B960494DF}">
+              <a14:hiddenLine xmlns:a14="http://schemas.microsoft.com/office/drawing/2010/main" w="9525">
+                <a:solidFill>
+                  <a:schemeClr val="tx1"/>
+                </a:solidFill>
+                <a:miter lim="800000"/>
+                <a:headEnd/>
+                <a:tailEnd/>
+              </a14:hiddenLine>
+            </a:ext>
+          </a:extLst>
+        </p:spPr>
+      </p:pic>
+    </p:spTree>
+    <p:extLst>
+      <p:ext uri="{BB962C8B-B14F-4D97-AF65-F5344CB8AC3E}">
+        <p14:creationId xmlns:p14="http://schemas.microsoft.com/office/powerpoint/2010/main" val="2594305422"/>
+      </p:ext>
+    </p:extLst>
+  </p:cSld>
+  <p:clrMapOvr>
+    <a:masterClrMapping/>
+  </p:clrMapOvr>
+  <p:timing>
+    <p:tnLst>
+      <p:par>
+        <p:cTn id="1" dur="indefinite" restart="never" nodeType="tmRoot"/>
+      </p:par>
+    </p:tnLst>
+  </p:timing>
+</p:sld>
+</file>
+
+<file path=ppt/slides/slide6.xml><?xml version="1.0" encoding="utf-8"?>
+<p:sld xmlns:a="http://schemas.openxmlformats.org/drawingml/2006/main" xmlns:r="http://schemas.openxmlformats.org/officeDocument/2006/relationships" xmlns:p="http://schemas.openxmlformats.org/presentationml/2006/main">
+  <p:cSld>
+    <p:spTree>
+      <p:nvGrpSpPr>
+        <p:cNvPr id="1" name=""/>
+        <p:cNvGrpSpPr/>
+        <p:nvPr/>
+      </p:nvGrpSpPr>
+      <p:grpSpPr>
+        <a:xfrm>
+          <a:off x="0" y="0"/>
+          <a:ext cx="0" cy="0"/>
+          <a:chOff x="0" y="0"/>
+          <a:chExt cx="0" cy="0"/>
+        </a:xfrm>
+      </p:grpSpPr>
+      <p:sp>
+        <p:nvSpPr>
+          <p:cNvPr id="4" name="TextBox 3"/>
+          <p:cNvSpPr txBox="1"/>
+          <p:nvPr/>
+        </p:nvSpPr>
+        <p:spPr>
+          <a:xfrm>
+            <a:off x="3279018" y="6309320"/>
+            <a:ext cx="2585964" cy="369332"/>
+          </a:xfrm>
+          <a:prstGeom prst="rect">
+            <a:avLst/>
+          </a:prstGeom>
+          <a:noFill/>
+        </p:spPr>
+        <p:txBody>
+          <a:bodyPr wrap="none" rtlCol="0">
+            <a:spAutoFit/>
+          </a:bodyPr>
+          <a:lstStyle/>
+          <a:p>
+            <a:pPr algn="ctr"/>
+            <a:r>
+              <a:rPr lang="en-US" dirty="0" smtClean="0">
+                <a:latin typeface="Times New Roman" panose="02020603050405020304" pitchFamily="18" charset="0"/>
+                <a:cs typeface="Times New Roman" panose="02020603050405020304" pitchFamily="18" charset="0"/>
+              </a:rPr>
+              <a:t>r </a:t>
+            </a:r>
+            <a:r>
+              <a:rPr lang="en-US" dirty="0">
+                <a:latin typeface="Times New Roman" panose="02020603050405020304" pitchFamily="18" charset="0"/>
+                <a:cs typeface="Times New Roman" panose="02020603050405020304" pitchFamily="18" charset="0"/>
+              </a:rPr>
+              <a:t>= 0,0838883162782998 </a:t>
+            </a:r>
+            <a:endParaRPr lang="ru-RU" dirty="0">
+              <a:latin typeface="Times New Roman" panose="02020603050405020304" pitchFamily="18" charset="0"/>
+              <a:cs typeface="Times New Roman" panose="02020603050405020304" pitchFamily="18" charset="0"/>
+            </a:endParaRPr>
+          </a:p>
+        </p:txBody>
+      </p:sp>
+      <p:pic>
+        <p:nvPicPr>
+          <p:cNvPr id="4102" name="Picture 6"/>
+          <p:cNvPicPr>
+            <a:picLocks noChangeAspect="1" noChangeArrowheads="1"/>
+          </p:cNvPicPr>
+          <p:nvPr/>
+        </p:nvPicPr>
+        <p:blipFill>
+          <a:blip r:embed="rId2">
+            <a:extLst>
+              <a:ext uri="{28A0092B-C50C-407E-A947-70E740481C1C}">
+                <a14:useLocalDpi xmlns:a14="http://schemas.microsoft.com/office/drawing/2010/main" val="0"/>
+              </a:ext>
+            </a:extLst>
+          </a:blip>
+          <a:srcRect/>
+          <a:stretch>
+            <a:fillRect/>
+          </a:stretch>
+        </p:blipFill>
+        <p:spPr bwMode="auto">
+          <a:xfrm>
+            <a:off x="261937" y="26511"/>
+            <a:ext cx="8620125" cy="6138793"/>
+          </a:xfrm>
+          <a:prstGeom prst="rect">
+            <a:avLst/>
+          </a:prstGeom>
+          <a:noFill/>
+          <a:ln>
+            <a:noFill/>
+          </a:ln>
+          <a:extLst>
+            <a:ext uri="{909E8E84-426E-40DD-AFC4-6F175D3DCCD1}">
+              <a14:hiddenFill xmlns:a14="http://schemas.microsoft.com/office/drawing/2010/main">
+                <a:solidFill>
+                  <a:schemeClr val="accent1"/>
+                </a:solidFill>
+              </a14:hiddenFill>
+            </a:ext>
+            <a:ext uri="{91240B29-F687-4F45-9708-019B960494DF}">
+              <a14:hiddenLine xmlns:a14="http://schemas.microsoft.com/office/drawing/2010/main" w="9525">
+                <a:solidFill>
+                  <a:schemeClr val="tx1"/>
+                </a:solidFill>
+                <a:miter lim="800000"/>
+                <a:headEnd/>
+                <a:tailEnd/>
+              </a14:hiddenLine>
+            </a:ext>
+          </a:extLst>
+        </p:spPr>
+      </p:pic>
+    </p:spTree>
+    <p:extLst>
+      <p:ext uri="{BB962C8B-B14F-4D97-AF65-F5344CB8AC3E}">
+        <p14:creationId xmlns:p14="http://schemas.microsoft.com/office/powerpoint/2010/main" val="3037355678"/>
+      </p:ext>
+    </p:extLst>
+  </p:cSld>
+  <p:clrMapOvr>
+    <a:masterClrMapping/>
+  </p:clrMapOvr>
+  <p:timing>
+    <p:tnLst>
+      <p:par>
+        <p:cTn id="1" dur="indefinite" restart="never" nodeType="tmRoot"/>
+      </p:par>
+    </p:tnLst>
+  </p:timing>
+</p:sld>
+</file>
+
+<file path=ppt/slides/slide7.xml><?xml version="1.0" encoding="utf-8"?>
+<p:sld xmlns:a="http://schemas.openxmlformats.org/drawingml/2006/main" xmlns:r="http://schemas.openxmlformats.org/officeDocument/2006/relationships" xmlns:p="http://schemas.openxmlformats.org/presentationml/2006/main">
+  <p:cSld>
+    <p:spTree>
+      <p:nvGrpSpPr>
+        <p:cNvPr id="1" name=""/>
+        <p:cNvGrpSpPr/>
+        <p:nvPr/>
+      </p:nvGrpSpPr>
+      <p:grpSpPr>
+        <a:xfrm>
+          <a:off x="0" y="0"/>
+          <a:ext cx="0" cy="0"/>
+          <a:chOff x="0" y="0"/>
+          <a:chExt cx="0" cy="0"/>
+        </a:xfrm>
+      </p:grpSpPr>
+      <p:sp>
+        <p:nvSpPr>
           <p:cNvPr id="2" name="Заголовок 1"/>
           <p:cNvSpPr>
             <a:spLocks noGrp="1"/>
@@ -4258,8 +5021,19 @@
                 <a:latin typeface="Times New Roman" panose="02020603050405020304" pitchFamily="18" charset="0"/>
                 <a:cs typeface="Times New Roman" panose="02020603050405020304" pitchFamily="18" charset="0"/>
               </a:rPr>
-              <a:t>орреляционный анализ;</a:t>
-            </a:r>
+              <a:t>орреляционный </a:t>
+            </a:r>
+            <a:r>
+              <a:rPr lang="ru-RU" sz="3600" dirty="0" smtClean="0">
+                <a:latin typeface="Times New Roman" panose="02020603050405020304" pitchFamily="18" charset="0"/>
+                <a:cs typeface="Times New Roman" panose="02020603050405020304" pitchFamily="18" charset="0"/>
+              </a:rPr>
+              <a:t>анализ (исследование динамики изменения показателей);</a:t>
+            </a:r>
+            <a:endParaRPr lang="ru-RU" sz="3600" dirty="0" smtClean="0">
+              <a:latin typeface="Times New Roman" panose="02020603050405020304" pitchFamily="18" charset="0"/>
+              <a:cs typeface="Times New Roman" panose="02020603050405020304" pitchFamily="18" charset="0"/>
+            </a:endParaRPr>
           </a:p>
           <a:p>
             <a:pPr marL="514350" indent="-514350">
@@ -4292,7 +5066,7 @@
                 <a:latin typeface="Times New Roman" panose="02020603050405020304" pitchFamily="18" charset="0"/>
                 <a:cs typeface="Times New Roman" panose="02020603050405020304" pitchFamily="18" charset="0"/>
               </a:rPr>
-              <a:t>.</a:t>
+              <a:t> (если отсутствуют необходимые расчетные данные).</a:t>
             </a:r>
             <a:endParaRPr lang="ru-RU" sz="3600" dirty="0">
               <a:latin typeface="Times New Roman" panose="02020603050405020304" pitchFamily="18" charset="0"/>
@@ -4311,10 +5085,17 @@
   <p:clrMapOvr>
     <a:masterClrMapping/>
   </p:clrMapOvr>
+  <p:timing>
+    <p:tnLst>
+      <p:par>
+        <p:cTn id="1" dur="indefinite" restart="never" nodeType="tmRoot"/>
+      </p:par>
+    </p:tnLst>
+  </p:timing>
 </p:sld>
 </file>
 
-<file path=ppt/slides/slide6.xml><?xml version="1.0" encoding="utf-8"?>
+<file path=ppt/slides/slide8.xml><?xml version="1.0" encoding="utf-8"?>
 <p:sld xmlns:a="http://schemas.openxmlformats.org/drawingml/2006/main" xmlns:r="http://schemas.openxmlformats.org/officeDocument/2006/relationships" xmlns:p="http://schemas.openxmlformats.org/presentationml/2006/main">
   <p:cSld>
     <p:spTree>
@@ -4391,7 +5172,21 @@
                 <a:latin typeface="Times New Roman" panose="02020603050405020304" pitchFamily="18" charset="0"/>
                 <a:cs typeface="Times New Roman" panose="02020603050405020304" pitchFamily="18" charset="0"/>
               </a:rPr>
-              <a:t>Алгоритм расчета</a:t>
+              <a:t>Алгоритм </a:t>
+            </a:r>
+            <a:r>
+              <a:rPr lang="ru-RU" sz="2800" dirty="0" smtClean="0">
+                <a:latin typeface="Times New Roman" panose="02020603050405020304" pitchFamily="18" charset="0"/>
+                <a:cs typeface="Times New Roman" panose="02020603050405020304" pitchFamily="18" charset="0"/>
+              </a:rPr>
+              <a:t>расчета</a:t>
+            </a:r>
+            <a:r>
+              <a:rPr lang="en-US" sz="2800" dirty="0" smtClean="0">
+                <a:latin typeface="Times New Roman" panose="02020603050405020304" pitchFamily="18" charset="0"/>
+                <a:cs typeface="Times New Roman" panose="02020603050405020304" pitchFamily="18" charset="0"/>
+              </a:rPr>
+              <a:t> (1)</a:t>
             </a:r>
             <a:endParaRPr lang="ru-RU" sz="2800" dirty="0">
               <a:latin typeface="Times New Roman" panose="02020603050405020304" pitchFamily="18" charset="0"/>
@@ -4410,10 +5205,17 @@
   <p:clrMapOvr>
     <a:masterClrMapping/>
   </p:clrMapOvr>
+  <p:timing>
+    <p:tnLst>
+      <p:par>
+        <p:cTn id="1" dur="indefinite" restart="never" nodeType="tmRoot"/>
+      </p:par>
+    </p:tnLst>
+  </p:timing>
 </p:sld>
 </file>
 
-<file path=ppt/slides/slide7.xml><?xml version="1.0" encoding="utf-8"?>
+<file path=ppt/slides/slide9.xml><?xml version="1.0" encoding="utf-8"?>
 <p:sld xmlns:a="http://schemas.openxmlformats.org/drawingml/2006/main" xmlns:r="http://schemas.openxmlformats.org/officeDocument/2006/relationships" xmlns:p="http://schemas.openxmlformats.org/presentationml/2006/main">
   <p:cSld>
     <p:spTree>
@@ -4452,7 +5254,21 @@
                 <a:latin typeface="Times New Roman" panose="02020603050405020304" pitchFamily="18" charset="0"/>
                 <a:cs typeface="Times New Roman" panose="02020603050405020304" pitchFamily="18" charset="0"/>
               </a:rPr>
-              <a:t>Алгоритм расчета</a:t>
+              <a:t>Алгоритм </a:t>
+            </a:r>
+            <a:r>
+              <a:rPr lang="ru-RU" sz="2800" dirty="0" smtClean="0">
+                <a:latin typeface="Times New Roman" panose="02020603050405020304" pitchFamily="18" charset="0"/>
+                <a:cs typeface="Times New Roman" panose="02020603050405020304" pitchFamily="18" charset="0"/>
+              </a:rPr>
+              <a:t>расчета</a:t>
+            </a:r>
+            <a:r>
+              <a:rPr lang="en-US" sz="2800" dirty="0" smtClean="0">
+                <a:latin typeface="Times New Roman" panose="02020603050405020304" pitchFamily="18" charset="0"/>
+                <a:cs typeface="Times New Roman" panose="02020603050405020304" pitchFamily="18" charset="0"/>
+              </a:rPr>
+              <a:t> (2)</a:t>
             </a:r>
             <a:endParaRPr lang="ru-RU" sz="2800" dirty="0">
               <a:latin typeface="Times New Roman" panose="02020603050405020304" pitchFamily="18" charset="0"/>
@@ -4504,173 +5320,13 @@
   <p:clrMapOvr>
     <a:masterClrMapping/>
   </p:clrMapOvr>
-</p:sld>
-</file>
-
-<file path=ppt/slides/slide8.xml><?xml version="1.0" encoding="utf-8"?>
-<p:sld xmlns:a="http://schemas.openxmlformats.org/drawingml/2006/main" xmlns:r="http://schemas.openxmlformats.org/officeDocument/2006/relationships" xmlns:p="http://schemas.openxmlformats.org/presentationml/2006/main">
-  <p:cSld>
-    <p:spTree>
-      <p:nvGrpSpPr>
-        <p:cNvPr id="1" name=""/>
-        <p:cNvGrpSpPr/>
-        <p:nvPr/>
-      </p:nvGrpSpPr>
-      <p:grpSpPr>
-        <a:xfrm>
-          <a:off x="0" y="0"/>
-          <a:ext cx="0" cy="0"/>
-          <a:chOff x="0" y="0"/>
-          <a:chExt cx="0" cy="0"/>
-        </a:xfrm>
-      </p:grpSpPr>
-      <p:pic>
-        <p:nvPicPr>
-          <p:cNvPr id="4" name="Рисунок 3" descr="C:\Users\bazhf\Downloads\№3.bmp"/>
-          <p:cNvPicPr/>
-          <p:nvPr/>
-        </p:nvPicPr>
-        <p:blipFill>
-          <a:blip r:embed="rId2">
-            <a:extLst>
-              <a:ext uri="{28A0092B-C50C-407E-A947-70E740481C1C}">
-                <a14:useLocalDpi xmlns:a14="http://schemas.microsoft.com/office/drawing/2010/main" val="0"/>
-              </a:ext>
-            </a:extLst>
-          </a:blip>
-          <a:srcRect/>
-          <a:stretch>
-            <a:fillRect/>
-          </a:stretch>
-        </p:blipFill>
-        <p:spPr bwMode="auto">
-          <a:xfrm>
-            <a:off x="2952750" y="95250"/>
-            <a:ext cx="3238500" cy="6667500"/>
-          </a:xfrm>
-          <a:prstGeom prst="rect">
-            <a:avLst/>
-          </a:prstGeom>
-          <a:noFill/>
-          <a:ln>
-            <a:noFill/>
-          </a:ln>
-        </p:spPr>
-      </p:pic>
-      <p:sp>
-        <p:nvSpPr>
-          <p:cNvPr id="2" name="Заголовок 1"/>
-          <p:cNvSpPr>
-            <a:spLocks noGrp="1"/>
-          </p:cNvSpPr>
-          <p:nvPr>
-            <p:ph type="title"/>
-          </p:nvPr>
-        </p:nvSpPr>
-        <p:spPr>
-          <a:xfrm>
-            <a:off x="3203848" y="5373216"/>
-            <a:ext cx="8229600" cy="1143000"/>
-          </a:xfrm>
-        </p:spPr>
-        <p:txBody>
-          <a:bodyPr>
-            <a:normAutofit/>
-          </a:bodyPr>
-          <a:lstStyle/>
-          <a:p>
-            <a:r>
-              <a:rPr lang="ru-RU" sz="3200" dirty="0" smtClean="0">
-                <a:latin typeface="Times New Roman" panose="02020603050405020304" pitchFamily="18" charset="0"/>
-                <a:cs typeface="Times New Roman" panose="02020603050405020304" pitchFamily="18" charset="0"/>
-              </a:rPr>
-              <a:t>Алгоритм расчета</a:t>
-            </a:r>
-            <a:endParaRPr lang="ru-RU" sz="3200" dirty="0">
-              <a:latin typeface="Times New Roman" panose="02020603050405020304" pitchFamily="18" charset="0"/>
-              <a:cs typeface="Times New Roman" panose="02020603050405020304" pitchFamily="18" charset="0"/>
-            </a:endParaRPr>
-          </a:p>
-        </p:txBody>
-      </p:sp>
-    </p:spTree>
-    <p:extLst>
-      <p:ext uri="{BB962C8B-B14F-4D97-AF65-F5344CB8AC3E}">
-        <p14:creationId xmlns:p14="http://schemas.microsoft.com/office/powerpoint/2010/main" val="2055924161"/>
-      </p:ext>
-    </p:extLst>
-  </p:cSld>
-  <p:clrMapOvr>
-    <a:masterClrMapping/>
-  </p:clrMapOvr>
-</p:sld>
-</file>
-
-<file path=ppt/slides/slide9.xml><?xml version="1.0" encoding="utf-8"?>
-<p:sld xmlns:a="http://schemas.openxmlformats.org/drawingml/2006/main" xmlns:r="http://schemas.openxmlformats.org/officeDocument/2006/relationships" xmlns:p="http://schemas.openxmlformats.org/presentationml/2006/main">
-  <p:cSld>
-    <p:spTree>
-      <p:nvGrpSpPr>
-        <p:cNvPr id="1" name=""/>
-        <p:cNvGrpSpPr/>
-        <p:nvPr/>
-      </p:nvGrpSpPr>
-      <p:grpSpPr>
-        <a:xfrm>
-          <a:off x="0" y="0"/>
-          <a:ext cx="0" cy="0"/>
-          <a:chOff x="0" y="0"/>
-          <a:chExt cx="0" cy="0"/>
-        </a:xfrm>
-      </p:grpSpPr>
-      <p:sp>
-        <p:nvSpPr>
-          <p:cNvPr id="2" name="Заголовок 1"/>
-          <p:cNvSpPr>
-            <a:spLocks noGrp="1"/>
-          </p:cNvSpPr>
-          <p:nvPr>
-            <p:ph type="title"/>
-          </p:nvPr>
-        </p:nvSpPr>
-        <p:spPr/>
-        <p:txBody>
-          <a:bodyPr/>
-          <a:lstStyle/>
-          <a:p>
-            <a:endParaRPr lang="ru-RU"/>
-          </a:p>
-        </p:txBody>
-      </p:sp>
-      <p:sp>
-        <p:nvSpPr>
-          <p:cNvPr id="3" name="Объект 2"/>
-          <p:cNvSpPr>
-            <a:spLocks noGrp="1"/>
-          </p:cNvSpPr>
-          <p:nvPr>
-            <p:ph idx="1"/>
-          </p:nvPr>
-        </p:nvSpPr>
-        <p:spPr/>
-        <p:txBody>
-          <a:bodyPr/>
-          <a:lstStyle/>
-          <a:p>
-            <a:endParaRPr lang="ru-RU"/>
-          </a:p>
-        </p:txBody>
-      </p:sp>
-    </p:spTree>
-    <p:extLst>
-      <p:ext uri="{BB962C8B-B14F-4D97-AF65-F5344CB8AC3E}">
-        <p14:creationId xmlns:p14="http://schemas.microsoft.com/office/powerpoint/2010/main" val="92152283"/>
-      </p:ext>
-    </p:extLst>
-  </p:cSld>
-  <p:clrMapOvr>
-    <a:masterClrMapping/>
-  </p:clrMapOvr>
+  <p:timing>
+    <p:tnLst>
+      <p:par>
+        <p:cTn id="1" dur="indefinite" restart="never" nodeType="tmRoot"/>
+      </p:par>
+    </p:tnLst>
+  </p:timing>
 </p:sld>
 </file>
 
